--- a/PPT/BeaverGamePPT.pptx
+++ b/PPT/BeaverGamePPT.pptx
@@ -277,7 +277,7 @@
           <a:p>
             <a:fld id="{C8A3987D-D242-49C1-90C3-2679D8837D8E}" type="datetimeFigureOut">
               <a:rPr lang="hu-HU" smtClean="0"/>
-              <a:t>2025. 02. 24.</a:t>
+              <a:t>2025. 02. 25.</a:t>
             </a:fld>
             <a:endParaRPr lang="hu-HU"/>
           </a:p>
@@ -475,7 +475,7 @@
           <a:p>
             <a:fld id="{C8A3987D-D242-49C1-90C3-2679D8837D8E}" type="datetimeFigureOut">
               <a:rPr lang="hu-HU" smtClean="0"/>
-              <a:t>2025. 02. 24.</a:t>
+              <a:t>2025. 02. 25.</a:t>
             </a:fld>
             <a:endParaRPr lang="hu-HU"/>
           </a:p>
@@ -683,7 +683,7 @@
           <a:p>
             <a:fld id="{C8A3987D-D242-49C1-90C3-2679D8837D8E}" type="datetimeFigureOut">
               <a:rPr lang="hu-HU" smtClean="0"/>
-              <a:t>2025. 02. 24.</a:t>
+              <a:t>2025. 02. 25.</a:t>
             </a:fld>
             <a:endParaRPr lang="hu-HU"/>
           </a:p>
@@ -881,7 +881,7 @@
           <a:p>
             <a:fld id="{C8A3987D-D242-49C1-90C3-2679D8837D8E}" type="datetimeFigureOut">
               <a:rPr lang="hu-HU" smtClean="0"/>
-              <a:t>2025. 02. 24.</a:t>
+              <a:t>2025. 02. 25.</a:t>
             </a:fld>
             <a:endParaRPr lang="hu-HU"/>
           </a:p>
@@ -1156,7 +1156,7 @@
           <a:p>
             <a:fld id="{C8A3987D-D242-49C1-90C3-2679D8837D8E}" type="datetimeFigureOut">
               <a:rPr lang="hu-HU" smtClean="0"/>
-              <a:t>2025. 02. 24.</a:t>
+              <a:t>2025. 02. 25.</a:t>
             </a:fld>
             <a:endParaRPr lang="hu-HU"/>
           </a:p>
@@ -1421,7 +1421,7 @@
           <a:p>
             <a:fld id="{C8A3987D-D242-49C1-90C3-2679D8837D8E}" type="datetimeFigureOut">
               <a:rPr lang="hu-HU" smtClean="0"/>
-              <a:t>2025. 02. 24.</a:t>
+              <a:t>2025. 02. 25.</a:t>
             </a:fld>
             <a:endParaRPr lang="hu-HU"/>
           </a:p>
@@ -1833,7 +1833,7 @@
           <a:p>
             <a:fld id="{C8A3987D-D242-49C1-90C3-2679D8837D8E}" type="datetimeFigureOut">
               <a:rPr lang="hu-HU" smtClean="0"/>
-              <a:t>2025. 02. 24.</a:t>
+              <a:t>2025. 02. 25.</a:t>
             </a:fld>
             <a:endParaRPr lang="hu-HU"/>
           </a:p>
@@ -1974,7 +1974,7 @@
           <a:p>
             <a:fld id="{C8A3987D-D242-49C1-90C3-2679D8837D8E}" type="datetimeFigureOut">
               <a:rPr lang="hu-HU" smtClean="0"/>
-              <a:t>2025. 02. 24.</a:t>
+              <a:t>2025. 02. 25.</a:t>
             </a:fld>
             <a:endParaRPr lang="hu-HU"/>
           </a:p>
@@ -2087,7 +2087,7 @@
           <a:p>
             <a:fld id="{C8A3987D-D242-49C1-90C3-2679D8837D8E}" type="datetimeFigureOut">
               <a:rPr lang="hu-HU" smtClean="0"/>
-              <a:t>2025. 02. 24.</a:t>
+              <a:t>2025. 02. 25.</a:t>
             </a:fld>
             <a:endParaRPr lang="hu-HU"/>
           </a:p>
@@ -2398,7 +2398,7 @@
           <a:p>
             <a:fld id="{C8A3987D-D242-49C1-90C3-2679D8837D8E}" type="datetimeFigureOut">
               <a:rPr lang="hu-HU" smtClean="0"/>
-              <a:t>2025. 02. 24.</a:t>
+              <a:t>2025. 02. 25.</a:t>
             </a:fld>
             <a:endParaRPr lang="hu-HU"/>
           </a:p>
@@ -2686,7 +2686,7 @@
           <a:p>
             <a:fld id="{C8A3987D-D242-49C1-90C3-2679D8837D8E}" type="datetimeFigureOut">
               <a:rPr lang="hu-HU" smtClean="0"/>
-              <a:t>2025. 02. 24.</a:t>
+              <a:t>2025. 02. 25.</a:t>
             </a:fld>
             <a:endParaRPr lang="hu-HU"/>
           </a:p>
@@ -2939,7 +2939,7 @@
           <a:p>
             <a:fld id="{C8A3987D-D242-49C1-90C3-2679D8837D8E}" type="datetimeFigureOut">
               <a:rPr lang="hu-HU" smtClean="0"/>
-              <a:t>2025. 02. 24.</a:t>
+              <a:t>2025. 02. 25.</a:t>
             </a:fld>
             <a:endParaRPr lang="hu-HU"/>
           </a:p>
@@ -3602,13 +3602,13 @@
   <p:clrMapOvr>
     <a:masterClrMapping/>
   </p:clrMapOvr>
-  <mc:AlternateContent xmlns:mc="http://schemas.openxmlformats.org/markup-compatibility/2006">
-    <mc:Choice xmlns:p15="http://schemas.microsoft.com/office/powerpoint/2012/main" Requires="p15">
+  <mc:AlternateContent xmlns:mc="http://schemas.openxmlformats.org/markup-compatibility/2006" xmlns:p15="http://schemas.microsoft.com/office/powerpoint/2012/main">
+    <mc:Choice Requires="p15">
       <p:transition xmlns:p14="http://schemas.microsoft.com/office/powerpoint/2010/main" spd="slow" p14:dur="2000">
         <p15:prstTrans prst="drape"/>
       </p:transition>
     </mc:Choice>
-    <mc:Fallback>
+    <mc:Fallback xmlns="">
       <p:transition spd="slow">
         <p:fade/>
       </p:transition>
@@ -3863,13 +3863,13 @@
   <p:clrMapOvr>
     <a:masterClrMapping/>
   </p:clrMapOvr>
-  <mc:AlternateContent xmlns:mc="http://schemas.openxmlformats.org/markup-compatibility/2006">
-    <mc:Choice xmlns:p14="http://schemas.microsoft.com/office/powerpoint/2010/main" Requires="p14">
+  <mc:AlternateContent xmlns:mc="http://schemas.openxmlformats.org/markup-compatibility/2006" xmlns:p14="http://schemas.microsoft.com/office/powerpoint/2010/main">
+    <mc:Choice Requires="p14">
       <p:transition spd="slow" p14:dur="1300">
         <p14:pan dir="u"/>
       </p:transition>
     </mc:Choice>
-    <mc:Fallback>
+    <mc:Fallback xmlns="">
       <p:transition spd="slow">
         <p:fade/>
       </p:transition>
@@ -4405,13 +4405,13 @@
   <p:clrMapOvr>
     <a:masterClrMapping/>
   </p:clrMapOvr>
-  <mc:AlternateContent xmlns:mc="http://schemas.openxmlformats.org/markup-compatibility/2006">
-    <mc:Choice xmlns:p14="http://schemas.microsoft.com/office/powerpoint/2010/main" Requires="p14">
+  <mc:AlternateContent xmlns:mc="http://schemas.openxmlformats.org/markup-compatibility/2006" xmlns:p14="http://schemas.microsoft.com/office/powerpoint/2010/main">
+    <mc:Choice Requires="p14">
       <p:transition spd="slow" p14:dur="1300">
         <p14:pan dir="u"/>
       </p:transition>
     </mc:Choice>
-    <mc:Fallback>
+    <mc:Fallback xmlns="">
       <p:transition spd="slow">
         <p:fade/>
       </p:transition>
@@ -4736,13 +4736,13 @@
   <p:clrMapOvr>
     <a:masterClrMapping/>
   </p:clrMapOvr>
-  <mc:AlternateContent xmlns:mc="http://schemas.openxmlformats.org/markup-compatibility/2006">
-    <mc:Choice xmlns:p14="http://schemas.microsoft.com/office/powerpoint/2010/main" Requires="p14">
+  <mc:AlternateContent xmlns:mc="http://schemas.openxmlformats.org/markup-compatibility/2006" xmlns:p14="http://schemas.microsoft.com/office/powerpoint/2010/main">
+    <mc:Choice Requires="p14">
       <p:transition spd="slow" p14:dur="1300">
         <p14:pan dir="u"/>
       </p:transition>
     </mc:Choice>
-    <mc:Fallback>
+    <mc:Fallback xmlns="">
       <p:transition spd="slow">
         <p:fade/>
       </p:transition>
@@ -4836,13 +4836,13 @@
   <p:clrMapOvr>
     <a:masterClrMapping/>
   </p:clrMapOvr>
-  <mc:AlternateContent xmlns:mc="http://schemas.openxmlformats.org/markup-compatibility/2006">
-    <mc:Choice xmlns:p14="http://schemas.microsoft.com/office/powerpoint/2010/main" Requires="p14">
+  <mc:AlternateContent xmlns:mc="http://schemas.openxmlformats.org/markup-compatibility/2006" xmlns:p14="http://schemas.microsoft.com/office/powerpoint/2010/main">
+    <mc:Choice Requires="p14">
       <p:transition spd="slow" p14:dur="1300">
         <p14:pan dir="u"/>
       </p:transition>
     </mc:Choice>
-    <mc:Fallback>
+    <mc:Fallback xmlns="">
       <p:transition spd="slow">
         <p:fade/>
       </p:transition>
@@ -4952,13 +4952,13 @@
   <p:clrMapOvr>
     <a:masterClrMapping/>
   </p:clrMapOvr>
-  <mc:AlternateContent xmlns:mc="http://schemas.openxmlformats.org/markup-compatibility/2006">
-    <mc:Choice xmlns:p14="http://schemas.microsoft.com/office/powerpoint/2010/main" Requires="p14">
+  <mc:AlternateContent xmlns:mc="http://schemas.openxmlformats.org/markup-compatibility/2006" xmlns:p14="http://schemas.microsoft.com/office/powerpoint/2010/main">
+    <mc:Choice Requires="p14">
       <p:transition spd="slow" p14:dur="1300">
         <p14:pan dir="u"/>
       </p:transition>
     </mc:Choice>
-    <mc:Fallback>
+    <mc:Fallback xmlns="">
       <p:transition spd="slow">
         <p:fade/>
       </p:transition>
@@ -5447,13 +5447,13 @@
   <p:clrMapOvr>
     <a:masterClrMapping/>
   </p:clrMapOvr>
-  <mc:AlternateContent xmlns:mc="http://schemas.openxmlformats.org/markup-compatibility/2006">
-    <mc:Choice xmlns:p14="http://schemas.microsoft.com/office/powerpoint/2010/main" Requires="p14">
+  <mc:AlternateContent xmlns:mc="http://schemas.openxmlformats.org/markup-compatibility/2006" xmlns:p14="http://schemas.microsoft.com/office/powerpoint/2010/main">
+    <mc:Choice Requires="p14">
       <p:transition spd="slow" p14:dur="1300">
         <p14:pan dir="u"/>
       </p:transition>
     </mc:Choice>
-    <mc:Fallback>
+    <mc:Fallback xmlns="">
       <p:transition spd="slow">
         <p:fade/>
       </p:transition>
@@ -5494,7 +5494,7 @@
         <p:spPr>
           <a:xfrm>
             <a:off x="0" y="2958836"/>
-            <a:ext cx="12192000" cy="1323439"/>
+            <a:ext cx="12192000" cy="861774"/>
           </a:xfrm>
           <a:prstGeom prst="rect">
             <a:avLst/>
@@ -5519,13 +5519,10 @@
                   </a:glow>
                 </a:effectLst>
               </a:rPr>
-              <a:t>Köszönöm a figyelmet!</a:t>
-            </a:r>
-          </a:p>
-          <a:p>
-            <a:pPr algn="ctr"/>
-            <a:r>
-              <a:rPr lang="hu-HU" sz="3000" dirty="0">
+              <a:t>Köszönöm a </a:t>
+            </a:r>
+            <a:r>
+              <a:rPr lang="hu-HU" sz="5000" b="1">
                 <a:solidFill>
                   <a:srgbClr val="FFFF00"/>
                 </a:solidFill>
@@ -5535,7 +5532,7 @@
                   </a:glow>
                 </a:effectLst>
               </a:rPr>
-              <a:t>(ha vannak)</a:t>
+              <a:t>figyelmet!</a:t>
             </a:r>
             <a:endParaRPr lang="hu-HU" sz="3000" dirty="0">
               <a:solidFill>
@@ -5563,13 +5560,13 @@
   <p:clrMapOvr>
     <a:masterClrMapping/>
   </p:clrMapOvr>
-  <mc:AlternateContent xmlns:mc="http://schemas.openxmlformats.org/markup-compatibility/2006">
-    <mc:Choice xmlns:p14="http://schemas.microsoft.com/office/powerpoint/2010/main" Requires="p14">
+  <mc:AlternateContent xmlns:mc="http://schemas.openxmlformats.org/markup-compatibility/2006" xmlns:p14="http://schemas.microsoft.com/office/powerpoint/2010/main">
+    <mc:Choice Requires="p14">
       <p:transition spd="slow" p14:dur="1300">
         <p14:pan dir="u"/>
       </p:transition>
     </mc:Choice>
-    <mc:Fallback>
+    <mc:Fallback xmlns="">
       <p:transition spd="slow">
         <p:fade/>
       </p:transition>
